--- a/윤수식ppt.pptx
+++ b/윤수식ppt.pptx
@@ -6,10 +6,11 @@
   </p:sldMasterIdLst>
   <p:sldIdLst>
     <p:sldId id="256" r:id="rId2"/>
-    <p:sldId id="281" r:id="rId3"/>
+    <p:sldId id="258" r:id="rId3"/>
     <p:sldId id="257" r:id="rId4"/>
-    <p:sldId id="258" r:id="rId5"/>
-    <p:sldId id="280" r:id="rId6"/>
+    <p:sldId id="281" r:id="rId5"/>
+    <p:sldId id="286" r:id="rId6"/>
+    <p:sldId id="280" r:id="rId7"/>
   </p:sldIdLst>
   <p:sldSz cx="12192000" cy="6858000"/>
   <p:notesSz cx="6858000" cy="9144000"/>
@@ -263,7 +264,7 @@
           <a:p>
             <a:fld id="{665AAE33-B27A-426E-B338-1263CD90BAA6}" type="datetimeFigureOut">
               <a:rPr lang="ko-KR" altLang="en-US" smtClean="0"/>
-              <a:t>2021-06-26</a:t>
+              <a:t>2021-09-03</a:t>
             </a:fld>
             <a:endParaRPr lang="ko-KR" altLang="en-US"/>
           </a:p>
@@ -461,7 +462,7 @@
           <a:p>
             <a:fld id="{665AAE33-B27A-426E-B338-1263CD90BAA6}" type="datetimeFigureOut">
               <a:rPr lang="ko-KR" altLang="en-US" smtClean="0"/>
-              <a:t>2021-06-26</a:t>
+              <a:t>2021-09-03</a:t>
             </a:fld>
             <a:endParaRPr lang="ko-KR" altLang="en-US"/>
           </a:p>
@@ -669,7 +670,7 @@
           <a:p>
             <a:fld id="{665AAE33-B27A-426E-B338-1263CD90BAA6}" type="datetimeFigureOut">
               <a:rPr lang="ko-KR" altLang="en-US" smtClean="0"/>
-              <a:t>2021-06-26</a:t>
+              <a:t>2021-09-03</a:t>
             </a:fld>
             <a:endParaRPr lang="ko-KR" altLang="en-US"/>
           </a:p>
@@ -867,7 +868,7 @@
           <a:p>
             <a:fld id="{665AAE33-B27A-426E-B338-1263CD90BAA6}" type="datetimeFigureOut">
               <a:rPr lang="ko-KR" altLang="en-US" smtClean="0"/>
-              <a:t>2021-06-26</a:t>
+              <a:t>2021-09-03</a:t>
             </a:fld>
             <a:endParaRPr lang="ko-KR" altLang="en-US"/>
           </a:p>
@@ -1142,7 +1143,7 @@
           <a:p>
             <a:fld id="{665AAE33-B27A-426E-B338-1263CD90BAA6}" type="datetimeFigureOut">
               <a:rPr lang="ko-KR" altLang="en-US" smtClean="0"/>
-              <a:t>2021-06-26</a:t>
+              <a:t>2021-09-03</a:t>
             </a:fld>
             <a:endParaRPr lang="ko-KR" altLang="en-US"/>
           </a:p>
@@ -1407,7 +1408,7 @@
           <a:p>
             <a:fld id="{665AAE33-B27A-426E-B338-1263CD90BAA6}" type="datetimeFigureOut">
               <a:rPr lang="ko-KR" altLang="en-US" smtClean="0"/>
-              <a:t>2021-06-26</a:t>
+              <a:t>2021-09-03</a:t>
             </a:fld>
             <a:endParaRPr lang="ko-KR" altLang="en-US"/>
           </a:p>
@@ -1819,7 +1820,7 @@
           <a:p>
             <a:fld id="{665AAE33-B27A-426E-B338-1263CD90BAA6}" type="datetimeFigureOut">
               <a:rPr lang="ko-KR" altLang="en-US" smtClean="0"/>
-              <a:t>2021-06-26</a:t>
+              <a:t>2021-09-03</a:t>
             </a:fld>
             <a:endParaRPr lang="ko-KR" altLang="en-US"/>
           </a:p>
@@ -1960,7 +1961,7 @@
           <a:p>
             <a:fld id="{665AAE33-B27A-426E-B338-1263CD90BAA6}" type="datetimeFigureOut">
               <a:rPr lang="ko-KR" altLang="en-US" smtClean="0"/>
-              <a:t>2021-06-26</a:t>
+              <a:t>2021-09-03</a:t>
             </a:fld>
             <a:endParaRPr lang="ko-KR" altLang="en-US"/>
           </a:p>
@@ -2073,7 +2074,7 @@
           <a:p>
             <a:fld id="{665AAE33-B27A-426E-B338-1263CD90BAA6}" type="datetimeFigureOut">
               <a:rPr lang="ko-KR" altLang="en-US" smtClean="0"/>
-              <a:t>2021-06-26</a:t>
+              <a:t>2021-09-03</a:t>
             </a:fld>
             <a:endParaRPr lang="ko-KR" altLang="en-US"/>
           </a:p>
@@ -2384,7 +2385,7 @@
           <a:p>
             <a:fld id="{665AAE33-B27A-426E-B338-1263CD90BAA6}" type="datetimeFigureOut">
               <a:rPr lang="ko-KR" altLang="en-US" smtClean="0"/>
-              <a:t>2021-06-26</a:t>
+              <a:t>2021-09-03</a:t>
             </a:fld>
             <a:endParaRPr lang="ko-KR" altLang="en-US"/>
           </a:p>
@@ -2672,7 +2673,7 @@
           <a:p>
             <a:fld id="{665AAE33-B27A-426E-B338-1263CD90BAA6}" type="datetimeFigureOut">
               <a:rPr lang="ko-KR" altLang="en-US" smtClean="0"/>
-              <a:t>2021-06-26</a:t>
+              <a:t>2021-09-03</a:t>
             </a:fld>
             <a:endParaRPr lang="ko-KR" altLang="en-US"/>
           </a:p>
@@ -2913,7 +2914,7 @@
           <a:p>
             <a:fld id="{665AAE33-B27A-426E-B338-1263CD90BAA6}" type="datetimeFigureOut">
               <a:rPr lang="ko-KR" altLang="en-US" smtClean="0"/>
-              <a:t>2021-06-26</a:t>
+              <a:t>2021-09-03</a:t>
             </a:fld>
             <a:endParaRPr lang="ko-KR" altLang="en-US"/>
           </a:p>
@@ -3344,8 +3345,8 @@
         </p:nvSpPr>
         <p:spPr>
           <a:xfrm>
-            <a:off x="1065401" y="1770077"/>
-            <a:ext cx="7474591" cy="1015663"/>
+            <a:off x="697800" y="754077"/>
+            <a:ext cx="10796399" cy="2862322"/>
           </a:xfrm>
           <a:prstGeom prst="rect">
             <a:avLst/>
@@ -3363,14 +3364,20 @@
                 <a:latin typeface="Arial" panose="020B0604020202020204" pitchFamily="34" charset="0"/>
                 <a:cs typeface="Arial" panose="020B0604020202020204" pitchFamily="34" charset="0"/>
               </a:rPr>
-              <a:t>GoogleNet</a:t>
-            </a:r>
-            <a:r>
+              <a:t>DenseNet</a:t>
+            </a:r>
+            <a:br>
               <a:rPr lang="en-US" altLang="ko-KR" sz="6000" dirty="0">
                 <a:latin typeface="Arial" panose="020B0604020202020204" pitchFamily="34" charset="0"/>
                 <a:cs typeface="Arial" panose="020B0604020202020204" pitchFamily="34" charset="0"/>
               </a:rPr>
-              <a:t>(Inception)</a:t>
+            </a:br>
+            <a:r>
+              <a:rPr lang="en-US" altLang="ko-KR" sz="6000" dirty="0">
+                <a:latin typeface="Arial" panose="020B0604020202020204" pitchFamily="34" charset="0"/>
+                <a:cs typeface="Arial" panose="020B0604020202020204" pitchFamily="34" charset="0"/>
+              </a:rPr>
+              <a:t>(Densely Connected Convolutional Networks)</a:t>
             </a:r>
             <a:endParaRPr lang="ko-KR" altLang="en-US" sz="6000" dirty="0">
               <a:latin typeface="Arial" panose="020B0604020202020204" pitchFamily="34" charset="0"/>
@@ -3463,10 +3470,10 @@
       </p:grpSpPr>
       <p:sp>
         <p:nvSpPr>
-          <p:cNvPr id="4" name="제목 1">
-            <a:extLst>
-              <a:ext uri="{FF2B5EF4-FFF2-40B4-BE49-F238E27FC236}">
-                <a16:creationId xmlns:a16="http://schemas.microsoft.com/office/drawing/2014/main" id="{E5898564-E754-43E7-BE8D-0A638366FDE6}"/>
+          <p:cNvPr id="2" name="제목 1">
+            <a:extLst>
+              <a:ext uri="{FF2B5EF4-FFF2-40B4-BE49-F238E27FC236}">
+                <a16:creationId xmlns:a16="http://schemas.microsoft.com/office/drawing/2014/main" id="{73DABE27-D714-41A4-814C-DE610C02A22D}"/>
               </a:ext>
             </a:extLst>
           </p:cNvPr>
@@ -3494,7 +3501,7 @@
                 <a:latin typeface="Arial" panose="020B0604020202020204" pitchFamily="34" charset="0"/>
                 <a:cs typeface="Arial" panose="020B0604020202020204" pitchFamily="34" charset="0"/>
               </a:rPr>
-              <a:t>Index</a:t>
+              <a:t>Introduction</a:t>
             </a:r>
             <a:endParaRPr lang="ko-KR" altLang="en-US" dirty="0">
               <a:latin typeface="Arial" panose="020B0604020202020204" pitchFamily="34" charset="0"/>
@@ -3508,7 +3515,7 @@
           <p:cNvPr id="5" name="직선 연결선 4">
             <a:extLst>
               <a:ext uri="{FF2B5EF4-FFF2-40B4-BE49-F238E27FC236}">
-                <a16:creationId xmlns:a16="http://schemas.microsoft.com/office/drawing/2014/main" id="{B104F3C1-8C4F-447E-8F81-ECA4B5211870}"/>
+                <a16:creationId xmlns:a16="http://schemas.microsoft.com/office/drawing/2014/main" id="{0F2F0662-AA3A-4BC2-886E-6AAAEB0B31A3}"/>
               </a:ext>
             </a:extLst>
           </p:cNvPr>
@@ -3544,7 +3551,7 @@
           <p:cNvPr id="6" name="TextBox 5">
             <a:extLst>
               <a:ext uri="{FF2B5EF4-FFF2-40B4-BE49-F238E27FC236}">
-                <a16:creationId xmlns:a16="http://schemas.microsoft.com/office/drawing/2014/main" id="{667F69BB-10EF-420E-B27F-CB29EB05C417}"/>
+                <a16:creationId xmlns:a16="http://schemas.microsoft.com/office/drawing/2014/main" id="{7B637DA4-64A8-4460-BBBA-C051EA988F6D}"/>
               </a:ext>
             </a:extLst>
           </p:cNvPr>
@@ -3553,8 +3560,8 @@
         </p:nvSpPr>
         <p:spPr>
           <a:xfrm>
-            <a:off x="1046177" y="3138959"/>
-            <a:ext cx="5219700" cy="1138773"/>
+            <a:off x="838200" y="1780059"/>
+            <a:ext cx="5219700" cy="1846659"/>
           </a:xfrm>
           <a:prstGeom prst="rect">
             <a:avLst/>
@@ -3576,7 +3583,7 @@
                 <a:latin typeface="Arial" panose="020B0604020202020204" pitchFamily="34" charset="0"/>
                 <a:cs typeface="Arial" panose="020B0604020202020204" pitchFamily="34" charset="0"/>
               </a:rPr>
-              <a:t>Code Explanation</a:t>
+              <a:t>Experiment</a:t>
             </a:r>
           </a:p>
           <a:p>
@@ -3584,6 +3591,23 @@
               <a:buFont typeface="Arial" panose="020B0604020202020204" pitchFamily="34" charset="0"/>
               <a:buChar char="•"/>
             </a:pPr>
+            <a:endParaRPr lang="en-US" altLang="ko-KR" sz="3200" dirty="0">
+              <a:latin typeface="Arial" panose="020B0604020202020204" pitchFamily="34" charset="0"/>
+              <a:cs typeface="Arial" panose="020B0604020202020204" pitchFamily="34" charset="0"/>
+            </a:endParaRPr>
+          </a:p>
+          <a:p>
+            <a:pPr marL="285750" indent="-285750">
+              <a:buFont typeface="Arial" panose="020B0604020202020204" pitchFamily="34" charset="0"/>
+              <a:buChar char="•"/>
+            </a:pPr>
+            <a:r>
+              <a:rPr lang="en-US" altLang="ko-KR" sz="3200" dirty="0">
+                <a:latin typeface="Arial" panose="020B0604020202020204" pitchFamily="34" charset="0"/>
+                <a:cs typeface="Arial" panose="020B0604020202020204" pitchFamily="34" charset="0"/>
+              </a:rPr>
+              <a:t>Discussion</a:t>
+            </a:r>
             <a:endParaRPr lang="en-US" altLang="ko-KR" dirty="0">
               <a:latin typeface="Arial" panose="020B0604020202020204" pitchFamily="34" charset="0"/>
               <a:cs typeface="Arial" panose="020B0604020202020204" pitchFamily="34" charset="0"/>
@@ -3604,7 +3628,7 @@
     </p:spTree>
     <p:extLst>
       <p:ext uri="{BB962C8B-B14F-4D97-AF65-F5344CB8AC3E}">
-        <p14:creationId xmlns:p14="http://schemas.microsoft.com/office/powerpoint/2010/main" val="1044559239"/>
+        <p14:creationId xmlns:p14="http://schemas.microsoft.com/office/powerpoint/2010/main" val="2016784440"/>
       </p:ext>
     </p:extLst>
   </p:cSld>
@@ -3664,236 +3688,12 @@
                 <a:latin typeface="Arial" panose="020B0604020202020204" pitchFamily="34" charset="0"/>
                 <a:cs typeface="Arial" panose="020B0604020202020204" pitchFamily="34" charset="0"/>
               </a:rPr>
-              <a:t>Introduction</a:t>
+              <a:t>Experiment</a:t>
             </a:r>
             <a:endParaRPr lang="ko-KR" altLang="en-US" dirty="0">
               <a:latin typeface="Arial" panose="020B0604020202020204" pitchFamily="34" charset="0"/>
               <a:cs typeface="Arial" panose="020B0604020202020204" pitchFamily="34" charset="0"/>
             </a:endParaRPr>
-          </a:p>
-        </p:txBody>
-      </p:sp>
-      <p:sp>
-        <p:nvSpPr>
-          <p:cNvPr id="5" name="TextBox 4">
-            <a:extLst>
-              <a:ext uri="{FF2B5EF4-FFF2-40B4-BE49-F238E27FC236}">
-                <a16:creationId xmlns:a16="http://schemas.microsoft.com/office/drawing/2014/main" id="{815B8879-30D5-4998-8D01-9E7DFC6E1B87}"/>
-              </a:ext>
-            </a:extLst>
-          </p:cNvPr>
-          <p:cNvSpPr txBox="1"/>
-          <p:nvPr/>
-        </p:nvSpPr>
-        <p:spPr>
-          <a:xfrm>
-            <a:off x="1235280" y="2558534"/>
-            <a:ext cx="6094602" cy="369332"/>
-          </a:xfrm>
-          <a:prstGeom prst="rect">
-            <a:avLst/>
-          </a:prstGeom>
-          <a:noFill/>
-        </p:spPr>
-        <p:txBody>
-          <a:bodyPr wrap="square">
-            <a:spAutoFit/>
-          </a:bodyPr>
-          <a:lstStyle/>
-          <a:p>
-            <a:r>
-              <a:rPr lang="en-US" altLang="ko-KR" dirty="0">
-                <a:latin typeface="Arial" panose="020B0604020202020204" pitchFamily="34" charset="0"/>
-                <a:cs typeface="Arial" panose="020B0604020202020204" pitchFamily="34" charset="0"/>
-              </a:rPr>
-              <a:t>More powerful hardware, larger datasets, bigger models</a:t>
-            </a:r>
-            <a:endParaRPr lang="ko-KR" altLang="en-US" dirty="0">
-              <a:latin typeface="Arial" panose="020B0604020202020204" pitchFamily="34" charset="0"/>
-              <a:cs typeface="Arial" panose="020B0604020202020204" pitchFamily="34" charset="0"/>
-            </a:endParaRPr>
-          </a:p>
-        </p:txBody>
-      </p:sp>
-      <p:sp>
-        <p:nvSpPr>
-          <p:cNvPr id="6" name="TextBox 5">
-            <a:extLst>
-              <a:ext uri="{FF2B5EF4-FFF2-40B4-BE49-F238E27FC236}">
-                <a16:creationId xmlns:a16="http://schemas.microsoft.com/office/drawing/2014/main" id="{46AFF7FE-C133-489D-9B3E-964DFF5F8415}"/>
-              </a:ext>
-            </a:extLst>
-          </p:cNvPr>
-          <p:cNvSpPr txBox="1"/>
-          <p:nvPr/>
-        </p:nvSpPr>
-        <p:spPr>
-          <a:xfrm>
-            <a:off x="1235280" y="3573817"/>
-            <a:ext cx="6457425" cy="369332"/>
-          </a:xfrm>
-          <a:prstGeom prst="rect">
-            <a:avLst/>
-          </a:prstGeom>
-          <a:noFill/>
-        </p:spPr>
-        <p:txBody>
-          <a:bodyPr wrap="square">
-            <a:spAutoFit/>
-          </a:bodyPr>
-          <a:lstStyle/>
-          <a:p>
-            <a:r>
-              <a:rPr lang="en-US" altLang="ko-KR" dirty="0">
-                <a:latin typeface="Arial" panose="020B0604020202020204" pitchFamily="34" charset="0"/>
-                <a:cs typeface="Arial" panose="020B0604020202020204" pitchFamily="34" charset="0"/>
-              </a:rPr>
-              <a:t>New ideas, algorithms and improved network architectures</a:t>
-            </a:r>
-            <a:endParaRPr lang="ko-KR" altLang="en-US" dirty="0">
-              <a:latin typeface="Arial" panose="020B0604020202020204" pitchFamily="34" charset="0"/>
-              <a:cs typeface="Arial" panose="020B0604020202020204" pitchFamily="34" charset="0"/>
-            </a:endParaRPr>
-          </a:p>
-        </p:txBody>
-      </p:sp>
-      <p:cxnSp>
-        <p:nvCxnSpPr>
-          <p:cNvPr id="8" name="직선 화살표 연결선 7">
-            <a:extLst>
-              <a:ext uri="{FF2B5EF4-FFF2-40B4-BE49-F238E27FC236}">
-                <a16:creationId xmlns:a16="http://schemas.microsoft.com/office/drawing/2014/main" id="{F771CD2C-533A-450A-A5F1-07255BE665C7}"/>
-              </a:ext>
-            </a:extLst>
-          </p:cNvPr>
-          <p:cNvCxnSpPr/>
-          <p:nvPr/>
-        </p:nvCxnSpPr>
-        <p:spPr>
-          <a:xfrm>
-            <a:off x="4127384" y="3028534"/>
-            <a:ext cx="0" cy="461285"/>
-          </a:xfrm>
-          <a:prstGeom prst="straightConnector1">
-            <a:avLst/>
-          </a:prstGeom>
-          <a:ln>
-            <a:tailEnd type="triangle"/>
-          </a:ln>
-        </p:spPr>
-        <p:style>
-          <a:lnRef idx="1">
-            <a:schemeClr val="dk1"/>
-          </a:lnRef>
-          <a:fillRef idx="0">
-            <a:schemeClr val="dk1"/>
-          </a:fillRef>
-          <a:effectRef idx="0">
-            <a:schemeClr val="dk1"/>
-          </a:effectRef>
-          <a:fontRef idx="minor">
-            <a:schemeClr val="tx1"/>
-          </a:fontRef>
-        </p:style>
-      </p:cxnSp>
-      <p:sp>
-        <p:nvSpPr>
-          <p:cNvPr id="10" name="TextBox 9">
-            <a:extLst>
-              <a:ext uri="{FF2B5EF4-FFF2-40B4-BE49-F238E27FC236}">
-                <a16:creationId xmlns:a16="http://schemas.microsoft.com/office/drawing/2014/main" id="{06BBB9EA-5DA9-4180-B221-F6A6C42F2982}"/>
-              </a:ext>
-            </a:extLst>
-          </p:cNvPr>
-          <p:cNvSpPr txBox="1"/>
-          <p:nvPr/>
-        </p:nvSpPr>
-        <p:spPr>
-          <a:xfrm>
-            <a:off x="8658141" y="2936010"/>
-            <a:ext cx="2097245" cy="646331"/>
-          </a:xfrm>
-          <a:prstGeom prst="rect">
-            <a:avLst/>
-          </a:prstGeom>
-          <a:noFill/>
-        </p:spPr>
-        <p:txBody>
-          <a:bodyPr wrap="square" rtlCol="0">
-            <a:spAutoFit/>
-          </a:bodyPr>
-          <a:lstStyle/>
-          <a:p>
-            <a:r>
-              <a:rPr lang="en-US" altLang="ko-KR" dirty="0">
-                <a:latin typeface="Arial" panose="020B0604020202020204" pitchFamily="34" charset="0"/>
-                <a:cs typeface="Arial" panose="020B0604020202020204" pitchFamily="34" charset="0"/>
-              </a:rPr>
-              <a:t>recognition</a:t>
-            </a:r>
-            <a:br>
-              <a:rPr lang="en-US" altLang="ko-KR" dirty="0">
-                <a:latin typeface="Arial" panose="020B0604020202020204" pitchFamily="34" charset="0"/>
-                <a:cs typeface="Arial" panose="020B0604020202020204" pitchFamily="34" charset="0"/>
-              </a:rPr>
-            </a:br>
-            <a:r>
-              <a:rPr lang="en-US" altLang="ko-KR" dirty="0">
-                <a:latin typeface="Arial" panose="020B0604020202020204" pitchFamily="34" charset="0"/>
-                <a:cs typeface="Arial" panose="020B0604020202020204" pitchFamily="34" charset="0"/>
-              </a:rPr>
-              <a:t>detection</a:t>
-            </a:r>
-            <a:endParaRPr lang="ko-KR" altLang="en-US" dirty="0">
-              <a:latin typeface="Arial" panose="020B0604020202020204" pitchFamily="34" charset="0"/>
-              <a:cs typeface="Arial" panose="020B0604020202020204" pitchFamily="34" charset="0"/>
-            </a:endParaRPr>
-          </a:p>
-        </p:txBody>
-      </p:sp>
-      <p:sp>
-        <p:nvSpPr>
-          <p:cNvPr id="16" name="화살표: 위쪽 15">
-            <a:extLst>
-              <a:ext uri="{FF2B5EF4-FFF2-40B4-BE49-F238E27FC236}">
-                <a16:creationId xmlns:a16="http://schemas.microsoft.com/office/drawing/2014/main" id="{0469B62F-2336-49AC-905B-9FD9A588CDDC}"/>
-              </a:ext>
-            </a:extLst>
-          </p:cNvPr>
-          <p:cNvSpPr/>
-          <p:nvPr/>
-        </p:nvSpPr>
-        <p:spPr>
-          <a:xfrm>
-            <a:off x="10096151" y="3074564"/>
-            <a:ext cx="310393" cy="369222"/>
-          </a:xfrm>
-          <a:prstGeom prst="upArrow">
-            <a:avLst/>
-          </a:prstGeom>
-        </p:spPr>
-        <p:style>
-          <a:lnRef idx="2">
-            <a:schemeClr val="dk1">
-              <a:shade val="50000"/>
-            </a:schemeClr>
-          </a:lnRef>
-          <a:fillRef idx="1">
-            <a:schemeClr val="dk1"/>
-          </a:fillRef>
-          <a:effectRef idx="0">
-            <a:schemeClr val="dk1"/>
-          </a:effectRef>
-          <a:fontRef idx="minor">
-            <a:schemeClr val="lt1"/>
-          </a:fontRef>
-        </p:style>
-        <p:txBody>
-          <a:bodyPr rtlCol="0" anchor="ctr"/>
-          <a:lstStyle/>
-          <a:p>
-            <a:pPr algn="ctr"/>
-            <a:endParaRPr lang="ko-KR" altLang="en-US"/>
           </a:p>
         </p:txBody>
       </p:sp>
@@ -3933,6 +3733,66 @@
           </a:fontRef>
         </p:style>
       </p:cxnSp>
+      <p:pic>
+        <p:nvPicPr>
+          <p:cNvPr id="7" name="그림 6">
+            <a:extLst>
+              <a:ext uri="{FF2B5EF4-FFF2-40B4-BE49-F238E27FC236}">
+                <a16:creationId xmlns:a16="http://schemas.microsoft.com/office/drawing/2014/main" id="{ADC7EC5D-686A-442F-A2BB-E77551A40592}"/>
+              </a:ext>
+            </a:extLst>
+          </p:cNvPr>
+          <p:cNvPicPr>
+            <a:picLocks noChangeAspect="1"/>
+          </p:cNvPicPr>
+          <p:nvPr/>
+        </p:nvPicPr>
+        <p:blipFill>
+          <a:blip r:embed="rId2"/>
+          <a:stretch>
+            <a:fillRect/>
+          </a:stretch>
+        </p:blipFill>
+        <p:spPr>
+          <a:xfrm>
+            <a:off x="1116012" y="1655762"/>
+            <a:ext cx="9401175" cy="1438275"/>
+          </a:xfrm>
+          <a:prstGeom prst="rect">
+            <a:avLst/>
+          </a:prstGeom>
+        </p:spPr>
+      </p:pic>
+      <p:pic>
+        <p:nvPicPr>
+          <p:cNvPr id="11" name="그림 10">
+            <a:extLst>
+              <a:ext uri="{FF2B5EF4-FFF2-40B4-BE49-F238E27FC236}">
+                <a16:creationId xmlns:a16="http://schemas.microsoft.com/office/drawing/2014/main" id="{3137271A-EBBA-459E-B647-0C71C2E3882A}"/>
+              </a:ext>
+            </a:extLst>
+          </p:cNvPr>
+          <p:cNvPicPr>
+            <a:picLocks noChangeAspect="1"/>
+          </p:cNvPicPr>
+          <p:nvPr/>
+        </p:nvPicPr>
+        <p:blipFill>
+          <a:blip r:embed="rId3"/>
+          <a:stretch>
+            <a:fillRect/>
+          </a:stretch>
+        </p:blipFill>
+        <p:spPr>
+          <a:xfrm>
+            <a:off x="4087019" y="3167116"/>
+            <a:ext cx="4017961" cy="3325758"/>
+          </a:xfrm>
+          <a:prstGeom prst="rect">
+            <a:avLst/>
+          </a:prstGeom>
+        </p:spPr>
+      </p:pic>
     </p:spTree>
     <p:extLst>
       <p:ext uri="{BB962C8B-B14F-4D97-AF65-F5344CB8AC3E}">
@@ -3965,10 +3825,10 @@
       </p:grpSpPr>
       <p:sp>
         <p:nvSpPr>
-          <p:cNvPr id="2" name="제목 1">
-            <a:extLst>
-              <a:ext uri="{FF2B5EF4-FFF2-40B4-BE49-F238E27FC236}">
-                <a16:creationId xmlns:a16="http://schemas.microsoft.com/office/drawing/2014/main" id="{73DABE27-D714-41A4-814C-DE610C02A22D}"/>
+          <p:cNvPr id="4" name="제목 1">
+            <a:extLst>
+              <a:ext uri="{FF2B5EF4-FFF2-40B4-BE49-F238E27FC236}">
+                <a16:creationId xmlns:a16="http://schemas.microsoft.com/office/drawing/2014/main" id="{E5898564-E754-43E7-BE8D-0A638366FDE6}"/>
               </a:ext>
             </a:extLst>
           </p:cNvPr>
@@ -3996,7 +3856,7 @@
                 <a:latin typeface="Arial" panose="020B0604020202020204" pitchFamily="34" charset="0"/>
                 <a:cs typeface="Arial" panose="020B0604020202020204" pitchFamily="34" charset="0"/>
               </a:rPr>
-              <a:t>Introduction</a:t>
+              <a:t>Experiment</a:t>
             </a:r>
             <a:endParaRPr lang="ko-KR" altLang="en-US" dirty="0">
               <a:latin typeface="Arial" panose="020B0604020202020204" pitchFamily="34" charset="0"/>
@@ -4005,96 +3865,12 @@
           </a:p>
         </p:txBody>
       </p:sp>
-      <p:sp>
-        <p:nvSpPr>
-          <p:cNvPr id="9" name="TextBox 8">
-            <a:extLst>
-              <a:ext uri="{FF2B5EF4-FFF2-40B4-BE49-F238E27FC236}">
-                <a16:creationId xmlns:a16="http://schemas.microsoft.com/office/drawing/2014/main" id="{1B317F5F-62D9-4E09-9886-C3E8B0C53A0A}"/>
-              </a:ext>
-            </a:extLst>
-          </p:cNvPr>
-          <p:cNvSpPr txBox="1"/>
-          <p:nvPr/>
-        </p:nvSpPr>
-        <p:spPr>
-          <a:xfrm>
-            <a:off x="924887" y="2363381"/>
-            <a:ext cx="5803084" cy="369332"/>
-          </a:xfrm>
-          <a:prstGeom prst="rect">
-            <a:avLst/>
-          </a:prstGeom>
-          <a:noFill/>
-        </p:spPr>
-        <p:txBody>
-          <a:bodyPr wrap="square" rtlCol="0">
-            <a:spAutoFit/>
-          </a:bodyPr>
-          <a:lstStyle/>
-          <a:p>
-            <a:r>
-              <a:rPr lang="en-US" altLang="ko-KR" dirty="0">
-                <a:latin typeface="Arial" panose="020B0604020202020204" pitchFamily="34" charset="0"/>
-                <a:cs typeface="Arial" panose="020B0604020202020204" pitchFamily="34" charset="0"/>
-              </a:rPr>
-              <a:t>ILSVRC 2014  classification and detection challenge</a:t>
-            </a:r>
-            <a:endParaRPr lang="ko-KR" altLang="en-US" dirty="0">
-              <a:latin typeface="Arial" panose="020B0604020202020204" pitchFamily="34" charset="0"/>
-              <a:cs typeface="Arial" panose="020B0604020202020204" pitchFamily="34" charset="0"/>
-            </a:endParaRPr>
-          </a:p>
-        </p:txBody>
-      </p:sp>
-      <p:sp>
-        <p:nvSpPr>
-          <p:cNvPr id="3" name="TextBox 2">
-            <a:extLst>
-              <a:ext uri="{FF2B5EF4-FFF2-40B4-BE49-F238E27FC236}">
-                <a16:creationId xmlns:a16="http://schemas.microsoft.com/office/drawing/2014/main" id="{6E2477FE-257A-4E7D-AC6D-A65D60A34E47}"/>
-              </a:ext>
-            </a:extLst>
-          </p:cNvPr>
-          <p:cNvSpPr txBox="1"/>
-          <p:nvPr/>
-        </p:nvSpPr>
-        <p:spPr>
-          <a:xfrm>
-            <a:off x="4735585" y="3426305"/>
-            <a:ext cx="3984771" cy="646331"/>
-          </a:xfrm>
-          <a:prstGeom prst="rect">
-            <a:avLst/>
-          </a:prstGeom>
-          <a:noFill/>
-        </p:spPr>
-        <p:txBody>
-          <a:bodyPr wrap="square" rtlCol="0">
-            <a:spAutoFit/>
-          </a:bodyPr>
-          <a:lstStyle/>
-          <a:p>
-            <a:r>
-              <a:rPr lang="en-US" altLang="ko-KR" sz="3600" dirty="0">
-                <a:latin typeface="Arial" panose="020B0604020202020204" pitchFamily="34" charset="0"/>
-                <a:cs typeface="Arial" panose="020B0604020202020204" pitchFamily="34" charset="0"/>
-              </a:rPr>
-              <a:t>Inception</a:t>
-            </a:r>
-            <a:endParaRPr lang="ko-KR" altLang="en-US" sz="3600" dirty="0">
-              <a:latin typeface="Arial" panose="020B0604020202020204" pitchFamily="34" charset="0"/>
-              <a:cs typeface="Arial" panose="020B0604020202020204" pitchFamily="34" charset="0"/>
-            </a:endParaRPr>
-          </a:p>
-        </p:txBody>
-      </p:sp>
       <p:cxnSp>
         <p:nvCxnSpPr>
           <p:cNvPr id="5" name="직선 연결선 4">
             <a:extLst>
               <a:ext uri="{FF2B5EF4-FFF2-40B4-BE49-F238E27FC236}">
-                <a16:creationId xmlns:a16="http://schemas.microsoft.com/office/drawing/2014/main" id="{0F2F0662-AA3A-4BC2-886E-6AAAEB0B31A3}"/>
+                <a16:creationId xmlns:a16="http://schemas.microsoft.com/office/drawing/2014/main" id="{B104F3C1-8C4F-447E-8F81-ECA4B5211870}"/>
               </a:ext>
             </a:extLst>
           </p:cNvPr>
@@ -4125,10 +3901,112 @@
           </a:fontRef>
         </p:style>
       </p:cxnSp>
+      <p:sp>
+        <p:nvSpPr>
+          <p:cNvPr id="6" name="TextBox 5">
+            <a:extLst>
+              <a:ext uri="{FF2B5EF4-FFF2-40B4-BE49-F238E27FC236}">
+                <a16:creationId xmlns:a16="http://schemas.microsoft.com/office/drawing/2014/main" id="{667F69BB-10EF-420E-B27F-CB29EB05C417}"/>
+              </a:ext>
+            </a:extLst>
+          </p:cNvPr>
+          <p:cNvSpPr txBox="1"/>
+          <p:nvPr/>
+        </p:nvSpPr>
+        <p:spPr>
+          <a:xfrm>
+            <a:off x="838200" y="1780059"/>
+            <a:ext cx="5219700" cy="2831544"/>
+          </a:xfrm>
+          <a:prstGeom prst="rect">
+            <a:avLst/>
+          </a:prstGeom>
+          <a:noFill/>
+        </p:spPr>
+        <p:txBody>
+          <a:bodyPr wrap="square" rtlCol="0">
+            <a:spAutoFit/>
+          </a:bodyPr>
+          <a:lstStyle/>
+          <a:p>
+            <a:pPr marL="285750" indent="-285750">
+              <a:buFont typeface="Arial" panose="020B0604020202020204" pitchFamily="34" charset="0"/>
+              <a:buChar char="•"/>
+            </a:pPr>
+            <a:r>
+              <a:rPr lang="en-US" altLang="ko-KR" sz="3200" dirty="0">
+                <a:latin typeface="Arial" panose="020B0604020202020204" pitchFamily="34" charset="0"/>
+                <a:cs typeface="Arial" panose="020B0604020202020204" pitchFamily="34" charset="0"/>
+              </a:rPr>
+              <a:t>CIFAR </a:t>
+            </a:r>
+          </a:p>
+          <a:p>
+            <a:pPr marL="285750" indent="-285750">
+              <a:buFont typeface="Arial" panose="020B0604020202020204" pitchFamily="34" charset="0"/>
+              <a:buChar char="•"/>
+            </a:pPr>
+            <a:endParaRPr lang="en-US" altLang="ko-KR" sz="3200" dirty="0">
+              <a:latin typeface="Arial" panose="020B0604020202020204" pitchFamily="34" charset="0"/>
+              <a:cs typeface="Arial" panose="020B0604020202020204" pitchFamily="34" charset="0"/>
+            </a:endParaRPr>
+          </a:p>
+          <a:p>
+            <a:pPr marL="285750" indent="-285750">
+              <a:buFont typeface="Arial" panose="020B0604020202020204" pitchFamily="34" charset="0"/>
+              <a:buChar char="•"/>
+            </a:pPr>
+            <a:r>
+              <a:rPr lang="en-US" altLang="ko-KR" sz="3200" dirty="0">
+                <a:latin typeface="Arial" panose="020B0604020202020204" pitchFamily="34" charset="0"/>
+                <a:cs typeface="Arial" panose="020B0604020202020204" pitchFamily="34" charset="0"/>
+              </a:rPr>
+              <a:t>SVHN</a:t>
+            </a:r>
+          </a:p>
+          <a:p>
+            <a:pPr marL="285750" indent="-285750">
+              <a:buFont typeface="Arial" panose="020B0604020202020204" pitchFamily="34" charset="0"/>
+              <a:buChar char="•"/>
+            </a:pPr>
+            <a:endParaRPr lang="en-US" altLang="ko-KR" sz="3200" dirty="0">
+              <a:latin typeface="Arial" panose="020B0604020202020204" pitchFamily="34" charset="0"/>
+              <a:cs typeface="Arial" panose="020B0604020202020204" pitchFamily="34" charset="0"/>
+            </a:endParaRPr>
+          </a:p>
+          <a:p>
+            <a:pPr marL="285750" indent="-285750">
+              <a:buFont typeface="Arial" panose="020B0604020202020204" pitchFamily="34" charset="0"/>
+              <a:buChar char="•"/>
+            </a:pPr>
+            <a:r>
+              <a:rPr lang="en-US" altLang="ko-KR" sz="3200" dirty="0">
+                <a:latin typeface="Arial" panose="020B0604020202020204" pitchFamily="34" charset="0"/>
+                <a:cs typeface="Arial" panose="020B0604020202020204" pitchFamily="34" charset="0"/>
+              </a:rPr>
+              <a:t>ImageNet</a:t>
+            </a:r>
+            <a:endParaRPr lang="en-US" altLang="ko-KR" dirty="0">
+              <a:latin typeface="Arial" panose="020B0604020202020204" pitchFamily="34" charset="0"/>
+              <a:cs typeface="Arial" panose="020B0604020202020204" pitchFamily="34" charset="0"/>
+            </a:endParaRPr>
+          </a:p>
+          <a:p>
+            <a:pPr marL="285750" indent="-285750">
+              <a:buFont typeface="Arial" panose="020B0604020202020204" pitchFamily="34" charset="0"/>
+              <a:buChar char="•"/>
+            </a:pPr>
+            <a:endParaRPr lang="ko-KR" altLang="en-US" dirty="0">
+              <a:latin typeface="Arial" panose="020B0604020202020204" pitchFamily="34" charset="0"/>
+              <a:cs typeface="Arial" panose="020B0604020202020204" pitchFamily="34" charset="0"/>
+            </a:endParaRPr>
+          </a:p>
+        </p:txBody>
+      </p:sp>
     </p:spTree>
     <p:extLst>
       <p:ext uri="{BB962C8B-B14F-4D97-AF65-F5344CB8AC3E}">
-        <p14:creationId xmlns:p14="http://schemas.microsoft.com/office/powerpoint/2010/main" val="2016784440"/>
+        <p14:creationId xmlns:p14="http://schemas.microsoft.com/office/powerpoint/2010/main" val="1044559239"/>
       </p:ext>
     </p:extLst>
   </p:cSld>
@@ -4139,6 +4017,144 @@
 </file>
 
 <file path=ppt/slides/slide5.xml><?xml version="1.0" encoding="utf-8"?>
+<p:sld xmlns:a="http://schemas.openxmlformats.org/drawingml/2006/main" xmlns:r="http://schemas.openxmlformats.org/officeDocument/2006/relationships" xmlns:p="http://schemas.openxmlformats.org/presentationml/2006/main">
+  <p:cSld>
+    <p:spTree>
+      <p:nvGrpSpPr>
+        <p:cNvPr id="1" name=""/>
+        <p:cNvGrpSpPr/>
+        <p:nvPr/>
+      </p:nvGrpSpPr>
+      <p:grpSpPr>
+        <a:xfrm>
+          <a:off x="0" y="0"/>
+          <a:ext cx="0" cy="0"/>
+          <a:chOff x="0" y="0"/>
+          <a:chExt cx="0" cy="0"/>
+        </a:xfrm>
+      </p:grpSpPr>
+      <p:sp>
+        <p:nvSpPr>
+          <p:cNvPr id="4" name="제목 1">
+            <a:extLst>
+              <a:ext uri="{FF2B5EF4-FFF2-40B4-BE49-F238E27FC236}">
+                <a16:creationId xmlns:a16="http://schemas.microsoft.com/office/drawing/2014/main" id="{E5898564-E754-43E7-BE8D-0A638366FDE6}"/>
+              </a:ext>
+            </a:extLst>
+          </p:cNvPr>
+          <p:cNvSpPr>
+            <a:spLocks noGrp="1"/>
+          </p:cNvSpPr>
+          <p:nvPr>
+            <p:ph type="title"/>
+          </p:nvPr>
+        </p:nvSpPr>
+        <p:spPr>
+          <a:xfrm>
+            <a:off x="838200" y="365126"/>
+            <a:ext cx="3683466" cy="658332"/>
+          </a:xfrm>
+        </p:spPr>
+        <p:txBody>
+          <a:bodyPr>
+            <a:normAutofit fontScale="90000"/>
+          </a:bodyPr>
+          <a:lstStyle/>
+          <a:p>
+            <a:r>
+              <a:rPr lang="en-US" altLang="ko-KR" dirty="0">
+                <a:latin typeface="Arial" panose="020B0604020202020204" pitchFamily="34" charset="0"/>
+                <a:cs typeface="Arial" panose="020B0604020202020204" pitchFamily="34" charset="0"/>
+              </a:rPr>
+              <a:t>Experiment</a:t>
+            </a:r>
+            <a:endParaRPr lang="ko-KR" altLang="en-US" dirty="0">
+              <a:latin typeface="Arial" panose="020B0604020202020204" pitchFamily="34" charset="0"/>
+              <a:cs typeface="Arial" panose="020B0604020202020204" pitchFamily="34" charset="0"/>
+            </a:endParaRPr>
+          </a:p>
+        </p:txBody>
+      </p:sp>
+      <p:cxnSp>
+        <p:nvCxnSpPr>
+          <p:cNvPr id="5" name="직선 연결선 4">
+            <a:extLst>
+              <a:ext uri="{FF2B5EF4-FFF2-40B4-BE49-F238E27FC236}">
+                <a16:creationId xmlns:a16="http://schemas.microsoft.com/office/drawing/2014/main" id="{B104F3C1-8C4F-447E-8F81-ECA4B5211870}"/>
+              </a:ext>
+            </a:extLst>
+          </p:cNvPr>
+          <p:cNvCxnSpPr/>
+          <p:nvPr/>
+        </p:nvCxnSpPr>
+        <p:spPr>
+          <a:xfrm>
+            <a:off x="494950" y="1157681"/>
+            <a:ext cx="10260436" cy="0"/>
+          </a:xfrm>
+          <a:prstGeom prst="line">
+            <a:avLst/>
+          </a:prstGeom>
+        </p:spPr>
+        <p:style>
+          <a:lnRef idx="1">
+            <a:schemeClr val="accent2"/>
+          </a:lnRef>
+          <a:fillRef idx="0">
+            <a:schemeClr val="accent2"/>
+          </a:fillRef>
+          <a:effectRef idx="0">
+            <a:schemeClr val="accent2"/>
+          </a:effectRef>
+          <a:fontRef idx="minor">
+            <a:schemeClr val="tx1"/>
+          </a:fontRef>
+        </p:style>
+      </p:cxnSp>
+      <p:pic>
+        <p:nvPicPr>
+          <p:cNvPr id="3" name="그림 2">
+            <a:extLst>
+              <a:ext uri="{FF2B5EF4-FFF2-40B4-BE49-F238E27FC236}">
+                <a16:creationId xmlns:a16="http://schemas.microsoft.com/office/drawing/2014/main" id="{D986539D-A860-40E3-B65A-9B0B804B3F03}"/>
+              </a:ext>
+            </a:extLst>
+          </p:cNvPr>
+          <p:cNvPicPr>
+            <a:picLocks noChangeAspect="1"/>
+          </p:cNvPicPr>
+          <p:nvPr/>
+        </p:nvPicPr>
+        <p:blipFill>
+          <a:blip r:embed="rId2"/>
+          <a:stretch>
+            <a:fillRect/>
+          </a:stretch>
+        </p:blipFill>
+        <p:spPr>
+          <a:xfrm>
+            <a:off x="1436614" y="1157681"/>
+            <a:ext cx="8863086" cy="5438712"/>
+          </a:xfrm>
+          <a:prstGeom prst="rect">
+            <a:avLst/>
+          </a:prstGeom>
+        </p:spPr>
+      </p:pic>
+    </p:spTree>
+    <p:extLst>
+      <p:ext uri="{BB962C8B-B14F-4D97-AF65-F5344CB8AC3E}">
+        <p14:creationId xmlns:p14="http://schemas.microsoft.com/office/powerpoint/2010/main" val="306235424"/>
+      </p:ext>
+    </p:extLst>
+  </p:cSld>
+  <p:clrMapOvr>
+    <a:masterClrMapping/>
+  </p:clrMapOvr>
+</p:sld>
+</file>
+
+<file path=ppt/slides/slide6.xml><?xml version="1.0" encoding="utf-8"?>
 <p:sld xmlns:a="http://schemas.openxmlformats.org/drawingml/2006/main" xmlns:r="http://schemas.openxmlformats.org/officeDocument/2006/relationships" xmlns:p="http://schemas.openxmlformats.org/presentationml/2006/main">
   <p:cSld>
     <p:spTree>
